--- a/Intro to Tidyverse.pptx
+++ b/Intro to Tidyverse.pptx
@@ -128,13 +128,52 @@
 <file path=ppt/revisionInfo.xml><?xml version="1.0" encoding="utf-8"?>
 <p1510:revInfo xmlns:a="http://schemas.openxmlformats.org/drawingml/2006/main" xmlns:r="http://schemas.openxmlformats.org/officeDocument/2006/relationships" xmlns:p1510="http://schemas.microsoft.com/office/powerpoint/2015/10/main">
   <p1510:revLst>
-    <p1510:client id="{B447661D-E2FB-47BE-8AAE-C35A0B6AD7D4}" v="156" dt="2020-10-29T13:14:42.583"/>
+    <p1510:client id="{72B9C6C1-13C1-964F-BE5C-AD9C9698217F}" v="4" dt="2020-11-06T18:24:17.835"/>
   </p1510:revLst>
 </p1510:revInfo>
 </file>
 
 <file path=ppt/changesInfos/changesInfo1.xml><?xml version="1.0" encoding="utf-8"?>
 <pc:chgInfo xmlns:a="http://schemas.openxmlformats.org/drawingml/2006/main" xmlns:r="http://schemas.openxmlformats.org/officeDocument/2006/relationships" xmlns:ac="http://schemas.microsoft.com/office/drawing/2013/main/command" xmlns:pc="http://schemas.microsoft.com/office/powerpoint/2013/main/command">
+  <pc:docChgLst>
+    <pc:chgData name="Manos Antoniou" userId="de742de0c7d180ad" providerId="LiveId" clId="{72B9C6C1-13C1-964F-BE5C-AD9C9698217F}"/>
+    <pc:docChg chg="modSld">
+      <pc:chgData name="Manos Antoniou" userId="de742de0c7d180ad" providerId="LiveId" clId="{72B9C6C1-13C1-964F-BE5C-AD9C9698217F}" dt="2020-11-06T18:24:28.988" v="33" actId="1076"/>
+      <pc:docMkLst>
+        <pc:docMk/>
+      </pc:docMkLst>
+      <pc:sldChg chg="modSp mod">
+        <pc:chgData name="Manos Antoniou" userId="de742de0c7d180ad" providerId="LiveId" clId="{72B9C6C1-13C1-964F-BE5C-AD9C9698217F}" dt="2020-11-06T18:24:28.988" v="33" actId="1076"/>
+        <pc:sldMkLst>
+          <pc:docMk/>
+          <pc:sldMk cId="3221452382" sldId="262"/>
+        </pc:sldMkLst>
+        <pc:spChg chg="mod">
+          <ac:chgData name="Manos Antoniou" userId="de742de0c7d180ad" providerId="LiveId" clId="{72B9C6C1-13C1-964F-BE5C-AD9C9698217F}" dt="2020-11-06T18:24:28.988" v="33" actId="1076"/>
+          <ac:spMkLst>
+            <pc:docMk/>
+            <pc:sldMk cId="3221452382" sldId="262"/>
+            <ac:spMk id="3" creationId="{0F3EBAAD-68F1-4640-9713-BEE6E6EAD280}"/>
+          </ac:spMkLst>
+        </pc:spChg>
+      </pc:sldChg>
+      <pc:sldChg chg="modSp mod">
+        <pc:chgData name="Manos Antoniou" userId="de742de0c7d180ad" providerId="LiveId" clId="{72B9C6C1-13C1-964F-BE5C-AD9C9698217F}" dt="2020-11-06T18:24:01.927" v="27" actId="20577"/>
+        <pc:sldMkLst>
+          <pc:docMk/>
+          <pc:sldMk cId="695044166" sldId="265"/>
+        </pc:sldMkLst>
+        <pc:spChg chg="mod">
+          <ac:chgData name="Manos Antoniou" userId="de742de0c7d180ad" providerId="LiveId" clId="{72B9C6C1-13C1-964F-BE5C-AD9C9698217F}" dt="2020-11-06T18:24:01.927" v="27" actId="20577"/>
+          <ac:spMkLst>
+            <pc:docMk/>
+            <pc:sldMk cId="695044166" sldId="265"/>
+            <ac:spMk id="3" creationId="{0F3EBAAD-68F1-4640-9713-BEE6E6EAD280}"/>
+          </ac:spMkLst>
+        </pc:spChg>
+      </pc:sldChg>
+    </pc:docChg>
+  </pc:docChgLst>
   <pc:docChgLst>
     <pc:chgData name="Manos Antoniou" userId="3454f194-384d-409f-a606-21bd22fd39cb" providerId="ADAL" clId="{B447661D-E2FB-47BE-8AAE-C35A0B6AD7D4}"/>
     <pc:docChg chg="undo custSel modSld modMainMaster">
@@ -819,7 +858,7 @@
           <a:p>
             <a:fld id="{68B6E8D0-FAFE-F34C-AA6D-6C68E21CF6CE}" type="datetimeFigureOut">
               <a:rPr lang="en-US" smtClean="0"/>
-              <a:t>11/5/20</a:t>
+              <a:t>11/6/20</a:t>
             </a:fld>
             <a:endParaRPr lang="en-US"/>
           </a:p>
@@ -1401,7 +1440,7 @@
           <a:p>
             <a:fld id="{DDC39B1B-EC12-0141-B1C5-C5E37912F415}" type="datetimeFigureOut">
               <a:rPr lang="en-US" smtClean="0"/>
-              <a:t>11/5/20</a:t>
+              <a:t>11/6/20</a:t>
             </a:fld>
             <a:endParaRPr lang="en-US"/>
           </a:p>
@@ -1599,7 +1638,7 @@
           <a:p>
             <a:fld id="{DDC39B1B-EC12-0141-B1C5-C5E37912F415}" type="datetimeFigureOut">
               <a:rPr lang="en-US" smtClean="0"/>
-              <a:t>11/5/20</a:t>
+              <a:t>11/6/20</a:t>
             </a:fld>
             <a:endParaRPr lang="en-US"/>
           </a:p>
@@ -1807,7 +1846,7 @@
           <a:p>
             <a:fld id="{DDC39B1B-EC12-0141-B1C5-C5E37912F415}" type="datetimeFigureOut">
               <a:rPr lang="en-US" smtClean="0"/>
-              <a:t>11/5/20</a:t>
+              <a:t>11/6/20</a:t>
             </a:fld>
             <a:endParaRPr lang="en-US"/>
           </a:p>
@@ -2005,7 +2044,7 @@
           <a:p>
             <a:fld id="{DDC39B1B-EC12-0141-B1C5-C5E37912F415}" type="datetimeFigureOut">
               <a:rPr lang="en-US" smtClean="0"/>
-              <a:t>11/5/20</a:t>
+              <a:t>11/6/20</a:t>
             </a:fld>
             <a:endParaRPr lang="en-US"/>
           </a:p>
@@ -2280,7 +2319,7 @@
           <a:p>
             <a:fld id="{DDC39B1B-EC12-0141-B1C5-C5E37912F415}" type="datetimeFigureOut">
               <a:rPr lang="en-US" smtClean="0"/>
-              <a:t>11/5/20</a:t>
+              <a:t>11/6/20</a:t>
             </a:fld>
             <a:endParaRPr lang="en-US"/>
           </a:p>
@@ -2545,7 +2584,7 @@
           <a:p>
             <a:fld id="{DDC39B1B-EC12-0141-B1C5-C5E37912F415}" type="datetimeFigureOut">
               <a:rPr lang="en-US" smtClean="0"/>
-              <a:t>11/5/20</a:t>
+              <a:t>11/6/20</a:t>
             </a:fld>
             <a:endParaRPr lang="en-US"/>
           </a:p>
@@ -2957,7 +2996,7 @@
           <a:p>
             <a:fld id="{DDC39B1B-EC12-0141-B1C5-C5E37912F415}" type="datetimeFigureOut">
               <a:rPr lang="en-US" smtClean="0"/>
-              <a:t>11/5/20</a:t>
+              <a:t>11/6/20</a:t>
             </a:fld>
             <a:endParaRPr lang="en-US"/>
           </a:p>
@@ -3098,7 +3137,7 @@
           <a:p>
             <a:fld id="{DDC39B1B-EC12-0141-B1C5-C5E37912F415}" type="datetimeFigureOut">
               <a:rPr lang="en-US" smtClean="0"/>
-              <a:t>11/5/20</a:t>
+              <a:t>11/6/20</a:t>
             </a:fld>
             <a:endParaRPr lang="en-US"/>
           </a:p>
@@ -3211,7 +3250,7 @@
           <a:p>
             <a:fld id="{DDC39B1B-EC12-0141-B1C5-C5E37912F415}" type="datetimeFigureOut">
               <a:rPr lang="en-US" smtClean="0"/>
-              <a:t>11/5/20</a:t>
+              <a:t>11/6/20</a:t>
             </a:fld>
             <a:endParaRPr lang="en-US"/>
           </a:p>
@@ -3522,7 +3561,7 @@
           <a:p>
             <a:fld id="{DDC39B1B-EC12-0141-B1C5-C5E37912F415}" type="datetimeFigureOut">
               <a:rPr lang="en-US" smtClean="0"/>
-              <a:t>11/5/20</a:t>
+              <a:t>11/6/20</a:t>
             </a:fld>
             <a:endParaRPr lang="en-US"/>
           </a:p>
@@ -3810,7 +3849,7 @@
           <a:p>
             <a:fld id="{DDC39B1B-EC12-0141-B1C5-C5E37912F415}" type="datetimeFigureOut">
               <a:rPr lang="en-US" smtClean="0"/>
-              <a:t>11/5/20</a:t>
+              <a:t>11/6/20</a:t>
             </a:fld>
             <a:endParaRPr lang="en-US"/>
           </a:p>
@@ -4051,7 +4090,7 @@
           <a:p>
             <a:fld id="{DDC39B1B-EC12-0141-B1C5-C5E37912F415}" type="datetimeFigureOut">
               <a:rPr lang="en-US" smtClean="0"/>
-              <a:t>11/5/20</a:t>
+              <a:t>11/6/20</a:t>
             </a:fld>
             <a:endParaRPr lang="en-US"/>
           </a:p>
@@ -5001,7 +5040,12 @@
             <p:ph idx="1"/>
           </p:nvPr>
         </p:nvSpPr>
-        <p:spPr/>
+        <p:spPr>
+          <a:xfrm>
+            <a:off x="742507" y="1491993"/>
+            <a:ext cx="10515600" cy="4351338"/>
+          </a:xfrm>
+        </p:spPr>
         <p:txBody>
           <a:bodyPr vert="horz" lIns="91440" tIns="45720" rIns="91440" bIns="45720" rtlCol="0" anchor="t">
             <a:normAutofit/>
@@ -5083,7 +5127,22 @@
                 <a:ea typeface="+mn-lt"/>
                 <a:cs typeface="+mn-lt"/>
               </a:rPr>
-              <a:t> repository for today’s workshop </a:t>
+              <a:t> repository for today’s workshop (</a:t>
+            </a:r>
+            <a:r>
+              <a:rPr lang="en-US" dirty="0">
+                <a:ea typeface="+mn-lt"/>
+                <a:cs typeface="+mn-lt"/>
+                <a:hlinkClick r:id="rId5"/>
+              </a:rPr>
+              <a:t>https://github.com/mantoniou/Workshop_R_Tidyverse</a:t>
+            </a:r>
+            <a:r>
+              <a:rPr lang="en-US" dirty="0">
+                <a:ea typeface="+mn-lt"/>
+                <a:cs typeface="+mn-lt"/>
+              </a:rPr>
+              <a:t>)</a:t>
             </a:r>
           </a:p>
           <a:p>
@@ -5095,7 +5154,7 @@
             </a:r>
             <a:r>
               <a:rPr lang="en-US" dirty="0">
-                <a:hlinkClick r:id="rId5"/>
+                <a:hlinkClick r:id="rId6"/>
               </a:rPr>
               <a:t>https://r4ds.had.co.nz/</a:t>
             </a:r>
@@ -5123,7 +5182,7 @@
             </a:r>
             <a:r>
               <a:rPr lang="en-US" dirty="0">
-                <a:hlinkClick r:id="rId6"/>
+                <a:hlinkClick r:id="rId7"/>
               </a:rPr>
               <a:t>https://www.r-bloggers.com/</a:t>
             </a:r>
@@ -5136,7 +5195,7 @@
             </a:r>
             <a:r>
               <a:rPr lang="en-US" dirty="0">
-                <a:hlinkClick r:id="rId7"/>
+                <a:hlinkClick r:id="rId8"/>
               </a:rPr>
               <a:t>https://www.tidyverse.org/</a:t>
             </a:r>
@@ -9014,8 +9073,34 @@
                 <a:ea typeface="+mn-lt"/>
                 <a:cs typeface="+mn-lt"/>
               </a:rPr>
-              <a:t> R notebooks containing all code generated during the 3 parts of the workshop &amp; presentations are uploaded at ??????</a:t>
-            </a:r>
+              <a:t> R notebooks containing all code generated during the 3 parts of the workshop &amp; presentations are uploaded at </a:t>
+            </a:r>
+            <a:r>
+              <a:rPr lang="en-US" sz="2400" dirty="0" err="1">
+                <a:ea typeface="+mn-lt"/>
+                <a:cs typeface="+mn-lt"/>
+              </a:rPr>
+              <a:t>github</a:t>
+            </a:r>
+            <a:r>
+              <a:rPr lang="en-US" sz="2400" dirty="0">
+                <a:ea typeface="+mn-lt"/>
+                <a:cs typeface="+mn-lt"/>
+              </a:rPr>
+              <a:t> </a:t>
+            </a:r>
+            <a:r>
+              <a:rPr lang="en-US" sz="2400" dirty="0">
+                <a:ea typeface="+mn-lt"/>
+                <a:cs typeface="+mn-lt"/>
+                <a:hlinkClick r:id="rId3"/>
+              </a:rPr>
+              <a:t>link</a:t>
+            </a:r>
+            <a:endParaRPr lang="en-US" sz="2400" dirty="0">
+              <a:ea typeface="+mn-lt"/>
+              <a:cs typeface="+mn-lt"/>
+            </a:endParaRPr>
           </a:p>
         </p:txBody>
       </p:sp>

--- a/Intro to Tidyverse.pptx
+++ b/Intro to Tidyverse.pptx
@@ -128,7 +128,7 @@
 <file path=ppt/revisionInfo.xml><?xml version="1.0" encoding="utf-8"?>
 <p1510:revInfo xmlns:a="http://schemas.openxmlformats.org/drawingml/2006/main" xmlns:r="http://schemas.openxmlformats.org/officeDocument/2006/relationships" xmlns:p1510="http://schemas.microsoft.com/office/powerpoint/2015/10/main">
   <p1510:revLst>
-    <p1510:client id="{72B9C6C1-13C1-964F-BE5C-AD9C9698217F}" v="4" dt="2020-11-06T18:24:17.835"/>
+    <p1510:client id="{72B9C6C1-13C1-964F-BE5C-AD9C9698217F}" v="5" dt="2020-11-06T18:27:08.255"/>
   </p1510:revLst>
 </p1510:revInfo>
 </file>
@@ -138,18 +138,18 @@
   <pc:docChgLst>
     <pc:chgData name="Manos Antoniou" userId="de742de0c7d180ad" providerId="LiveId" clId="{72B9C6C1-13C1-964F-BE5C-AD9C9698217F}"/>
     <pc:docChg chg="modSld">
-      <pc:chgData name="Manos Antoniou" userId="de742de0c7d180ad" providerId="LiveId" clId="{72B9C6C1-13C1-964F-BE5C-AD9C9698217F}" dt="2020-11-06T18:24:28.988" v="33" actId="1076"/>
+      <pc:chgData name="Manos Antoniou" userId="de742de0c7d180ad" providerId="LiveId" clId="{72B9C6C1-13C1-964F-BE5C-AD9C9698217F}" dt="2020-11-06T18:27:08.249" v="34" actId="20577"/>
       <pc:docMkLst>
         <pc:docMk/>
       </pc:docMkLst>
       <pc:sldChg chg="modSp mod">
-        <pc:chgData name="Manos Antoniou" userId="de742de0c7d180ad" providerId="LiveId" clId="{72B9C6C1-13C1-964F-BE5C-AD9C9698217F}" dt="2020-11-06T18:24:28.988" v="33" actId="1076"/>
+        <pc:chgData name="Manos Antoniou" userId="de742de0c7d180ad" providerId="LiveId" clId="{72B9C6C1-13C1-964F-BE5C-AD9C9698217F}" dt="2020-11-06T18:27:08.249" v="34" actId="20577"/>
         <pc:sldMkLst>
           <pc:docMk/>
           <pc:sldMk cId="3221452382" sldId="262"/>
         </pc:sldMkLst>
         <pc:spChg chg="mod">
-          <ac:chgData name="Manos Antoniou" userId="de742de0c7d180ad" providerId="LiveId" clId="{72B9C6C1-13C1-964F-BE5C-AD9C9698217F}" dt="2020-11-06T18:24:28.988" v="33" actId="1076"/>
+          <ac:chgData name="Manos Antoniou" userId="de742de0c7d180ad" providerId="LiveId" clId="{72B9C6C1-13C1-964F-BE5C-AD9C9698217F}" dt="2020-11-06T18:27:08.249" v="34" actId="20577"/>
           <ac:spMkLst>
             <pc:docMk/>
             <pc:sldMk cId="3221452382" sldId="262"/>
@@ -5184,7 +5184,17 @@
               <a:rPr lang="en-US" dirty="0">
                 <a:hlinkClick r:id="rId7"/>
               </a:rPr>
-              <a:t>https://www.r-bloggers.com/</a:t>
+              <a:t>https://www.r-bloggers.com</a:t>
+            </a:r>
+            <a:r>
+              <a:rPr lang="en-US">
+                <a:hlinkClick r:id="rId7"/>
+              </a:rPr>
+              <a:t>/</a:t>
+            </a:r>
+            <a:r>
+              <a:rPr lang="en-US"/>
+              <a:t> </a:t>
             </a:r>
             <a:endParaRPr lang="en-US" dirty="0"/>
           </a:p>

--- a/Intro to Tidyverse.pptx
+++ b/Intro to Tidyverse.pptx
@@ -128,7 +128,7 @@
 <file path=ppt/revisionInfo.xml><?xml version="1.0" encoding="utf-8"?>
 <p1510:revInfo xmlns:a="http://schemas.openxmlformats.org/drawingml/2006/main" xmlns:r="http://schemas.openxmlformats.org/officeDocument/2006/relationships" xmlns:p1510="http://schemas.microsoft.com/office/powerpoint/2015/10/main">
   <p1510:revLst>
-    <p1510:client id="{72B9C6C1-13C1-964F-BE5C-AD9C9698217F}" v="5" dt="2020-11-06T18:27:08.255"/>
+    <p1510:client id="{72B9C6C1-13C1-964F-BE5C-AD9C9698217F}" v="11" dt="2020-11-06T18:35:39.885"/>
   </p1510:revLst>
 </p1510:revInfo>
 </file>
@@ -137,8 +137,8 @@
 <pc:chgInfo xmlns:a="http://schemas.openxmlformats.org/drawingml/2006/main" xmlns:r="http://schemas.openxmlformats.org/officeDocument/2006/relationships" xmlns:ac="http://schemas.microsoft.com/office/drawing/2013/main/command" xmlns:pc="http://schemas.microsoft.com/office/powerpoint/2013/main/command">
   <pc:docChgLst>
     <pc:chgData name="Manos Antoniou" userId="de742de0c7d180ad" providerId="LiveId" clId="{72B9C6C1-13C1-964F-BE5C-AD9C9698217F}"/>
-    <pc:docChg chg="modSld">
-      <pc:chgData name="Manos Antoniou" userId="de742de0c7d180ad" providerId="LiveId" clId="{72B9C6C1-13C1-964F-BE5C-AD9C9698217F}" dt="2020-11-06T18:27:08.249" v="34" actId="20577"/>
+    <pc:docChg chg="undo custSel modSld">
+      <pc:chgData name="Manos Antoniou" userId="de742de0c7d180ad" providerId="LiveId" clId="{72B9C6C1-13C1-964F-BE5C-AD9C9698217F}" dt="2020-11-06T18:35:42.346" v="54" actId="27636"/>
       <pc:docMkLst>
         <pc:docMk/>
       </pc:docMkLst>
@@ -158,13 +158,13 @@
         </pc:spChg>
       </pc:sldChg>
       <pc:sldChg chg="modSp mod">
-        <pc:chgData name="Manos Antoniou" userId="de742de0c7d180ad" providerId="LiveId" clId="{72B9C6C1-13C1-964F-BE5C-AD9C9698217F}" dt="2020-11-06T18:24:01.927" v="27" actId="20577"/>
+        <pc:chgData name="Manos Antoniou" userId="de742de0c7d180ad" providerId="LiveId" clId="{72B9C6C1-13C1-964F-BE5C-AD9C9698217F}" dt="2020-11-06T18:35:42.346" v="54" actId="27636"/>
         <pc:sldMkLst>
           <pc:docMk/>
           <pc:sldMk cId="695044166" sldId="265"/>
         </pc:sldMkLst>
         <pc:spChg chg="mod">
-          <ac:chgData name="Manos Antoniou" userId="de742de0c7d180ad" providerId="LiveId" clId="{72B9C6C1-13C1-964F-BE5C-AD9C9698217F}" dt="2020-11-06T18:24:01.927" v="27" actId="20577"/>
+          <ac:chgData name="Manos Antoniou" userId="de742de0c7d180ad" providerId="LiveId" clId="{72B9C6C1-13C1-964F-BE5C-AD9C9698217F}" dt="2020-11-06T18:35:42.346" v="54" actId="27636"/>
           <ac:spMkLst>
             <pc:docMk/>
             <pc:sldMk cId="695044166" sldId="265"/>
@@ -8860,7 +8860,7 @@
                 <a:ea typeface="+mn-lt"/>
                 <a:cs typeface="+mn-lt"/>
               </a:rPr>
-              <a:t> PART -  Churn prediction case study</a:t>
+              <a:t> PART -  Customer segmentation case study </a:t>
             </a:r>
           </a:p>
           <a:p>
@@ -8876,7 +8876,7 @@
               <a:t>ETL</a:t>
             </a:r>
             <a:r>
-              <a:rPr lang="en-US" sz="1600" dirty="0">
+              <a:rPr lang="en-US" sz="1200" dirty="0">
                 <a:ea typeface="+mn-lt"/>
                 <a:cs typeface="+mn-lt"/>
               </a:rPr>
@@ -8965,7 +8965,7 @@
                 <a:ea typeface="+mn-lt"/>
                 <a:cs typeface="+mn-lt"/>
               </a:rPr>
-              <a:t> PART - Customer segmentation case study </a:t>
+              <a:t> PART - Churn prediction case study</a:t>
             </a:r>
           </a:p>
           <a:p>

--- a/Intro to Tidyverse.pptx
+++ b/Intro to Tidyverse.pptx
@@ -858,7 +858,7 @@
           <a:p>
             <a:fld id="{68B6E8D0-FAFE-F34C-AA6D-6C68E21CF6CE}" type="datetimeFigureOut">
               <a:rPr lang="en-US" smtClean="0"/>
-              <a:t>11/6/20</a:t>
+              <a:t>11/7/20</a:t>
             </a:fld>
             <a:endParaRPr lang="en-US"/>
           </a:p>
@@ -1440,7 +1440,7 @@
           <a:p>
             <a:fld id="{DDC39B1B-EC12-0141-B1C5-C5E37912F415}" type="datetimeFigureOut">
               <a:rPr lang="en-US" smtClean="0"/>
-              <a:t>11/6/20</a:t>
+              <a:t>11/7/20</a:t>
             </a:fld>
             <a:endParaRPr lang="en-US"/>
           </a:p>
@@ -1638,7 +1638,7 @@
           <a:p>
             <a:fld id="{DDC39B1B-EC12-0141-B1C5-C5E37912F415}" type="datetimeFigureOut">
               <a:rPr lang="en-US" smtClean="0"/>
-              <a:t>11/6/20</a:t>
+              <a:t>11/7/20</a:t>
             </a:fld>
             <a:endParaRPr lang="en-US"/>
           </a:p>
@@ -1846,7 +1846,7 @@
           <a:p>
             <a:fld id="{DDC39B1B-EC12-0141-B1C5-C5E37912F415}" type="datetimeFigureOut">
               <a:rPr lang="en-US" smtClean="0"/>
-              <a:t>11/6/20</a:t>
+              <a:t>11/7/20</a:t>
             </a:fld>
             <a:endParaRPr lang="en-US"/>
           </a:p>
@@ -2044,7 +2044,7 @@
           <a:p>
             <a:fld id="{DDC39B1B-EC12-0141-B1C5-C5E37912F415}" type="datetimeFigureOut">
               <a:rPr lang="en-US" smtClean="0"/>
-              <a:t>11/6/20</a:t>
+              <a:t>11/7/20</a:t>
             </a:fld>
             <a:endParaRPr lang="en-US"/>
           </a:p>
@@ -2319,7 +2319,7 @@
           <a:p>
             <a:fld id="{DDC39B1B-EC12-0141-B1C5-C5E37912F415}" type="datetimeFigureOut">
               <a:rPr lang="en-US" smtClean="0"/>
-              <a:t>11/6/20</a:t>
+              <a:t>11/7/20</a:t>
             </a:fld>
             <a:endParaRPr lang="en-US"/>
           </a:p>
@@ -2584,7 +2584,7 @@
           <a:p>
             <a:fld id="{DDC39B1B-EC12-0141-B1C5-C5E37912F415}" type="datetimeFigureOut">
               <a:rPr lang="en-US" smtClean="0"/>
-              <a:t>11/6/20</a:t>
+              <a:t>11/7/20</a:t>
             </a:fld>
             <a:endParaRPr lang="en-US"/>
           </a:p>
@@ -2996,7 +2996,7 @@
           <a:p>
             <a:fld id="{DDC39B1B-EC12-0141-B1C5-C5E37912F415}" type="datetimeFigureOut">
               <a:rPr lang="en-US" smtClean="0"/>
-              <a:t>11/6/20</a:t>
+              <a:t>11/7/20</a:t>
             </a:fld>
             <a:endParaRPr lang="en-US"/>
           </a:p>
@@ -3137,7 +3137,7 @@
           <a:p>
             <a:fld id="{DDC39B1B-EC12-0141-B1C5-C5E37912F415}" type="datetimeFigureOut">
               <a:rPr lang="en-US" smtClean="0"/>
-              <a:t>11/6/20</a:t>
+              <a:t>11/7/20</a:t>
             </a:fld>
             <a:endParaRPr lang="en-US"/>
           </a:p>
@@ -3250,7 +3250,7 @@
           <a:p>
             <a:fld id="{DDC39B1B-EC12-0141-B1C5-C5E37912F415}" type="datetimeFigureOut">
               <a:rPr lang="en-US" smtClean="0"/>
-              <a:t>11/6/20</a:t>
+              <a:t>11/7/20</a:t>
             </a:fld>
             <a:endParaRPr lang="en-US"/>
           </a:p>
@@ -3561,7 +3561,7 @@
           <a:p>
             <a:fld id="{DDC39B1B-EC12-0141-B1C5-C5E37912F415}" type="datetimeFigureOut">
               <a:rPr lang="en-US" smtClean="0"/>
-              <a:t>11/6/20</a:t>
+              <a:t>11/7/20</a:t>
             </a:fld>
             <a:endParaRPr lang="en-US"/>
           </a:p>
@@ -3849,7 +3849,7 @@
           <a:p>
             <a:fld id="{DDC39B1B-EC12-0141-B1C5-C5E37912F415}" type="datetimeFigureOut">
               <a:rPr lang="en-US" smtClean="0"/>
-              <a:t>11/6/20</a:t>
+              <a:t>11/7/20</a:t>
             </a:fld>
             <a:endParaRPr lang="en-US"/>
           </a:p>
@@ -4090,7 +4090,7 @@
           <a:p>
             <a:fld id="{DDC39B1B-EC12-0141-B1C5-C5E37912F415}" type="datetimeFigureOut">
               <a:rPr lang="en-US" smtClean="0"/>
-              <a:t>11/6/20</a:t>
+              <a:t>11/7/20</a:t>
             </a:fld>
             <a:endParaRPr lang="en-US"/>
           </a:p>
@@ -4919,7 +4919,7 @@
                 <a:ea typeface="+mn-lt"/>
                 <a:cs typeface="+mn-lt"/>
               </a:rPr>
-              <a:t>You can sent your questions via messaging &amp; I’ll try to answer these at some point during the workshop. </a:t>
+              <a:t>You can type your questions via zoom Chat &amp; I’ll try to answer these at some point during the workshop. </a:t>
             </a:r>
           </a:p>
           <a:p>
